--- a/FinalWinterTermProgressReport/FinalWinterTermDemo.pptx
+++ b/FinalWinterTermProgressReport/FinalWinterTermDemo.pptx
@@ -20,9 +20,13 @@
     <p:sldId id="266" r:id="rId14"/>
     <p:sldId id="275" r:id="rId15"/>
     <p:sldId id="258" r:id="rId16"/>
-    <p:sldId id="272" r:id="rId17"/>
-    <p:sldId id="273" r:id="rId18"/>
-    <p:sldId id="274" r:id="rId19"/>
+    <p:sldId id="276" r:id="rId17"/>
+    <p:sldId id="272" r:id="rId18"/>
+    <p:sldId id="273" r:id="rId19"/>
+    <p:sldId id="274" r:id="rId20"/>
+    <p:sldId id="279" r:id="rId21"/>
+    <p:sldId id="278" r:id="rId22"/>
+    <p:sldId id="277" r:id="rId23"/>
   </p:sldIdLst>
   <p:sldSz cx="12192000" cy="6858000"/>
   <p:notesSz cx="6858000" cy="9144000"/>
@@ -6256,10 +6260,9 @@
           <a:lstStyle/>
           <a:p>
             <a:r>
-              <a:rPr lang="en-US" dirty="0" smtClean="0"/>
+              <a:rPr lang="en-US" dirty="0"/>
               <a:t>Responsibility #3</a:t>
             </a:r>
-            <a:endParaRPr lang="en-US" dirty="0"/>
           </a:p>
         </p:txBody>
       </p:sp>
@@ -6279,27 +6282,27 @@
           <a:lstStyle/>
           <a:p>
             <a:r>
-              <a:rPr lang="en-US" dirty="0" smtClean="0"/>
+              <a:rPr lang="en-US" dirty="0"/>
               <a:t>My third responsibility was to format the data into a bracket structure.</a:t>
             </a:r>
           </a:p>
           <a:p>
             <a:r>
-              <a:rPr lang="en-US" dirty="0" smtClean="0"/>
+              <a:rPr lang="en-US" dirty="0"/>
               <a:t>This ended up being more convenient for Jake and </a:t>
             </a:r>
             <a:r>
-              <a:rPr lang="en-US" dirty="0" err="1" smtClean="0"/>
+              <a:rPr lang="en-US" dirty="0" err="1"/>
               <a:t>Chongxian</a:t>
             </a:r>
             <a:r>
-              <a:rPr lang="en-US" dirty="0" smtClean="0"/>
+              <a:rPr lang="en-US" dirty="0"/>
               <a:t> to do as they generated the machine learned model.</a:t>
             </a:r>
           </a:p>
           <a:p>
             <a:r>
-              <a:rPr lang="en-US" dirty="0" smtClean="0"/>
+              <a:rPr lang="en-US" dirty="0"/>
               <a:t>Can be seen complete on the module.</a:t>
             </a:r>
           </a:p>
@@ -6353,12 +6356,8 @@
           <a:lstStyle/>
           <a:p>
             <a:r>
-              <a:rPr lang="en-US" dirty="0" smtClean="0"/>
-              <a:t>What </a:t>
-            </a:r>
-            <a:r>
               <a:rPr lang="en-US" dirty="0"/>
-              <a:t>Alex needs to do to complete this project + course</a:t>
+              <a:t>What Alex needs to do to complete this project + course</a:t>
             </a:r>
           </a:p>
         </p:txBody>
@@ -6379,23 +6378,21 @@
           <a:lstStyle/>
           <a:p>
             <a:r>
-              <a:rPr lang="en-US" dirty="0" smtClean="0"/>
+              <a:rPr lang="en-US" dirty="0"/>
               <a:t>All responsibilities done</a:t>
             </a:r>
           </a:p>
           <a:p>
             <a:r>
-              <a:rPr lang="en-US" dirty="0" smtClean="0"/>
+              <a:rPr lang="en-US" dirty="0"/>
               <a:t>Revise poster that I submitted</a:t>
             </a:r>
-            <a:endParaRPr lang="en-US" dirty="0" smtClean="0"/>
-          </a:p>
-          <a:p>
-            <a:r>
-              <a:rPr lang="en-US" dirty="0" smtClean="0"/>
+          </a:p>
+          <a:p>
+            <a:r>
+              <a:rPr lang="en-US" dirty="0"/>
               <a:t>Polish code – browser compatibility, fix certain positioning issues, perhaps change some of the GUI around</a:t>
             </a:r>
-            <a:endParaRPr lang="en-US" dirty="0"/>
           </a:p>
           <a:p>
             <a:r>
@@ -6458,7 +6455,7 @@
           <a:p>
             <a:r>
               <a:rPr lang="en-US" dirty="0"/>
-              <a:t>Responsibility #4  </a:t>
+              <a:t>Jake Term overview</a:t>
             </a:r>
           </a:p>
         </p:txBody>
@@ -6478,30 +6475,45 @@
           <a:bodyPr/>
           <a:lstStyle/>
           <a:p>
-            <a:pPr marL="0" indent="0">
-              <a:buNone/>
-            </a:pPr>
-            <a:r>
-              <a:rPr lang="en-US" dirty="0"/>
-              <a:t>Getting the data:</a:t>
-            </a:r>
-          </a:p>
-          <a:p>
-            <a:pPr marL="0" indent="0">
-              <a:buNone/>
-            </a:pPr>
-            <a:r>
-              <a:rPr lang="en-US" dirty="0"/>
-              <a:t>For getting the data I actually didn’t use any of the statistics websites I mentioned in the tech review. I ended up finding the data on a website called Kaggle.com, it is a data science website with a wide variety of stats.</a:t>
-            </a:r>
-          </a:p>
-          <a:p>
-            <a:pPr marL="0" indent="0">
-              <a:buNone/>
-            </a:pPr>
-            <a:r>
-              <a:rPr lang="en-US" dirty="0"/>
-              <a:t>This website only had data leading up to this season so I had to manually pull most of the data for this season and any additional stat metrics I or George wanted to have.</a:t>
+            <a:r>
+              <a:rPr lang="en-US" sz="2400" dirty="0"/>
+              <a:t>Fulfillment of responsibility #1</a:t>
+            </a:r>
+          </a:p>
+          <a:p>
+            <a:r>
+              <a:rPr lang="en-US" sz="2400" dirty="0"/>
+              <a:t>Fulfillment of responsibility #2</a:t>
+            </a:r>
+          </a:p>
+          <a:p>
+            <a:r>
+              <a:rPr lang="en-US" sz="2400" dirty="0"/>
+              <a:t>Helping George with machine learning code</a:t>
+            </a:r>
+          </a:p>
+          <a:p>
+            <a:r>
+              <a:rPr lang="en-US" sz="2400" dirty="0"/>
+              <a:t>Script to generate bracket</a:t>
+            </a:r>
+          </a:p>
+          <a:p>
+            <a:r>
+              <a:rPr lang="en-US" sz="2400" dirty="0"/>
+              <a:t>Writing progress report</a:t>
+            </a:r>
+          </a:p>
+          <a:p>
+            <a:r>
+              <a:rPr lang="en-US" sz="2400" dirty="0"/>
+              <a:t>Writing these slides</a:t>
+            </a:r>
+          </a:p>
+          <a:p>
+            <a:r>
+              <a:rPr lang="en-US" sz="2400" dirty="0"/>
+              <a:t>Voice-over demonstration (this presentation)</a:t>
             </a:r>
           </a:p>
           <a:p>
@@ -6515,7 +6527,7 @@
     </p:spTree>
     <p:extLst>
       <p:ext uri="{BB962C8B-B14F-4D97-AF65-F5344CB8AC3E}">
-        <p14:creationId xmlns:p14="http://schemas.microsoft.com/office/powerpoint/2010/main" val="992696407"/>
+        <p14:creationId xmlns:p14="http://schemas.microsoft.com/office/powerpoint/2010/main" val="3011420545"/>
       </p:ext>
     </p:extLst>
   </p:cSld>
@@ -6542,36 +6554,6 @@
           <a:chExt cx="0" cy="0"/>
         </a:xfrm>
       </p:grpSpPr>
-      <p:pic>
-        <p:nvPicPr>
-          <p:cNvPr id="4" name="Picture 3"/>
-          <p:cNvPicPr>
-            <a:picLocks noChangeAspect="1"/>
-          </p:cNvPicPr>
-          <p:nvPr/>
-        </p:nvPicPr>
-        <p:blipFill>
-          <a:blip r:embed="rId2">
-            <a:extLst>
-              <a:ext uri="{28A0092B-C50C-407E-A947-70E740481C1C}">
-                <a14:useLocalDpi xmlns:a14="http://schemas.microsoft.com/office/drawing/2010/main" val="0"/>
-              </a:ext>
-            </a:extLst>
-          </a:blip>
-          <a:stretch>
-            <a:fillRect/>
-          </a:stretch>
-        </p:blipFill>
-        <p:spPr>
-          <a:xfrm>
-            <a:off x="4988466" y="2159331"/>
-            <a:ext cx="4202331" cy="3750581"/>
-          </a:xfrm>
-          <a:prstGeom prst="rect">
-            <a:avLst/>
-          </a:prstGeom>
-        </p:spPr>
-      </p:pic>
       <p:sp>
         <p:nvSpPr>
           <p:cNvPr id="2" name="Title 1"/>
@@ -6584,14 +6566,12 @@
         </p:nvSpPr>
         <p:spPr/>
         <p:txBody>
-          <a:bodyPr anchor="t">
-            <a:normAutofit/>
-          </a:bodyPr>
+          <a:bodyPr/>
           <a:lstStyle/>
           <a:p>
             <a:r>
               <a:rPr lang="en-US" dirty="0"/>
-              <a:t>Responsibility #4</a:t>
+              <a:t>Jake’s Responsibility #1 </a:t>
             </a:r>
           </a:p>
         </p:txBody>
@@ -6606,46 +6586,49 @@
             <p:ph idx="1"/>
           </p:nvPr>
         </p:nvSpPr>
-        <p:spPr>
-          <a:xfrm>
-            <a:off x="677334" y="2160589"/>
-            <a:ext cx="3957349" cy="3749323"/>
-          </a:xfrm>
-        </p:spPr>
-        <p:txBody>
-          <a:bodyPr>
-            <a:normAutofit/>
-          </a:bodyPr>
-          <a:lstStyle/>
-          <a:p>
-            <a:r>
-              <a:rPr lang="en-US" dirty="0"/>
-              <a:t>For getting this years data I started out writing a python script to grab the stats for me, here is a screen shot of part of it.</a:t>
-            </a:r>
-          </a:p>
-          <a:p>
+        <p:spPr/>
+        <p:txBody>
+          <a:bodyPr/>
+          <a:lstStyle/>
+          <a:p>
+            <a:pPr marL="0" indent="0">
+              <a:buNone/>
+            </a:pPr>
+            <a:r>
+              <a:rPr lang="en-US" sz="2400" dirty="0"/>
+              <a:t>Getting the data:</a:t>
+            </a:r>
+          </a:p>
+          <a:p>
+            <a:pPr marL="0" indent="0">
+              <a:buNone/>
+            </a:pPr>
+            <a:r>
+              <a:rPr lang="en-US" sz="2400" dirty="0"/>
+              <a:t>For getting the data I actually didn’t use any of the statistics websites I mentioned in the tech review. I ended up finding the data on a website called Kaggle.com, it is a data science website with a wide variety of stats.</a:t>
+            </a:r>
+          </a:p>
+          <a:p>
+            <a:pPr marL="0" indent="0">
+              <a:buNone/>
+            </a:pPr>
+            <a:r>
+              <a:rPr lang="en-US" sz="2400" dirty="0"/>
+              <a:t>This website only had data leading up to this season so I had to manually pull most of the data for this season and any additional stat metrics I or George wanted to have.</a:t>
+            </a:r>
+          </a:p>
+          <a:p>
+            <a:pPr marL="0" indent="0">
+              <a:buNone/>
+            </a:pPr>
             <a:endParaRPr lang="en-US" dirty="0"/>
-          </a:p>
-          <a:p>
-            <a:r>
-              <a:rPr lang="en-US" dirty="0"/>
-              <a:t>This part of the script just gets the teams and the </a:t>
-            </a:r>
-            <a:r>
-              <a:rPr lang="en-US" dirty="0" err="1"/>
-              <a:t>url</a:t>
-            </a:r>
-            <a:r>
-              <a:rPr lang="en-US" dirty="0"/>
-              <a:t> of where the data is. This is testing it on NBA data cause there are less teams.</a:t>
-            </a:r>
           </a:p>
         </p:txBody>
       </p:sp>
     </p:spTree>
     <p:extLst>
       <p:ext uri="{BB962C8B-B14F-4D97-AF65-F5344CB8AC3E}">
-        <p14:creationId xmlns:p14="http://schemas.microsoft.com/office/powerpoint/2010/main" val="101180330"/>
+        <p14:creationId xmlns:p14="http://schemas.microsoft.com/office/powerpoint/2010/main" val="992696407"/>
       </p:ext>
     </p:extLst>
   </p:cSld>
@@ -6684,12 +6667,14 @@
         </p:nvSpPr>
         <p:spPr/>
         <p:txBody>
-          <a:bodyPr/>
+          <a:bodyPr anchor="t">
+            <a:normAutofit/>
+          </a:bodyPr>
           <a:lstStyle/>
           <a:p>
             <a:r>
               <a:rPr lang="en-US" dirty="0"/>
-              <a:t>Responsibility #5</a:t>
+              <a:t>Responsibility #1</a:t>
             </a:r>
           </a:p>
         </p:txBody>
@@ -6704,6 +6689,74 @@
             <p:ph idx="1"/>
           </p:nvPr>
         </p:nvSpPr>
+        <p:spPr>
+          <a:xfrm>
+            <a:off x="677334" y="2160589"/>
+            <a:ext cx="7702168" cy="3749323"/>
+          </a:xfrm>
+        </p:spPr>
+        <p:txBody>
+          <a:bodyPr>
+            <a:normAutofit/>
+          </a:bodyPr>
+          <a:lstStyle/>
+          <a:p>
+            <a:r>
+              <a:rPr lang="en-US" sz="2400" dirty="0"/>
+              <a:t>For getting this years data I started out writing a python script to grab the stats for me from ESPN. But I kept having issues with stats counted twice and sometimes it would pull the woman's team data instead of the men's.</a:t>
+            </a:r>
+          </a:p>
+          <a:p>
+            <a:r>
+              <a:rPr lang="en-US" sz="2400" dirty="0"/>
+              <a:t>I ended up pulling most the data from this year by hand and am still adding the games stats from the march madness tourney as the games are played.</a:t>
+            </a:r>
+          </a:p>
+          <a:p>
+            <a:endParaRPr lang="en-US" dirty="0"/>
+          </a:p>
+        </p:txBody>
+      </p:sp>
+    </p:spTree>
+    <p:extLst>
+      <p:ext uri="{BB962C8B-B14F-4D97-AF65-F5344CB8AC3E}">
+        <p14:creationId xmlns:p14="http://schemas.microsoft.com/office/powerpoint/2010/main" val="101180330"/>
+      </p:ext>
+    </p:extLst>
+  </p:cSld>
+  <p:clrMapOvr>
+    <a:masterClrMapping/>
+  </p:clrMapOvr>
+</p:sld>
+</file>
+
+<file path=ppt/slides/slide19.xml><?xml version="1.0" encoding="utf-8"?>
+<p:sld xmlns:a="http://schemas.openxmlformats.org/drawingml/2006/main" xmlns:r="http://schemas.openxmlformats.org/officeDocument/2006/relationships" xmlns:p="http://schemas.openxmlformats.org/presentationml/2006/main">
+  <p:cSld>
+    <p:spTree>
+      <p:nvGrpSpPr>
+        <p:cNvPr id="1" name=""/>
+        <p:cNvGrpSpPr/>
+        <p:nvPr/>
+      </p:nvGrpSpPr>
+      <p:grpSpPr>
+        <a:xfrm>
+          <a:off x="0" y="0"/>
+          <a:ext cx="0" cy="0"/>
+          <a:chOff x="0" y="0"/>
+          <a:chExt cx="0" cy="0"/>
+        </a:xfrm>
+      </p:grpSpPr>
+      <p:sp>
+        <p:nvSpPr>
+          <p:cNvPr id="2" name="Title 1"/>
+          <p:cNvSpPr>
+            <a:spLocks noGrp="1"/>
+          </p:cNvSpPr>
+          <p:nvPr>
+            <p:ph type="title"/>
+          </p:nvPr>
+        </p:nvSpPr>
         <p:spPr/>
         <p:txBody>
           <a:bodyPr/>
@@ -6711,37 +6764,68 @@
           <a:p>
             <a:r>
               <a:rPr lang="en-US" dirty="0"/>
-              <a:t>Storing the data:</a:t>
+              <a:t>Responsibility #2</a:t>
+            </a:r>
+          </a:p>
+        </p:txBody>
+      </p:sp>
+      <p:sp>
+        <p:nvSpPr>
+          <p:cNvPr id="3" name="Content Placeholder 2"/>
+          <p:cNvSpPr>
+            <a:spLocks noGrp="1"/>
+          </p:cNvSpPr>
+          <p:nvPr>
+            <p:ph idx="1"/>
+          </p:nvPr>
+        </p:nvSpPr>
+        <p:spPr/>
+        <p:txBody>
+          <a:bodyPr>
+            <a:normAutofit/>
+          </a:bodyPr>
+          <a:lstStyle/>
+          <a:p>
+            <a:r>
+              <a:rPr lang="en-US" sz="2000" dirty="0"/>
+              <a:t>Storing the </a:t>
+            </a:r>
+            <a:r>
+              <a:rPr lang="en-US" sz="2000"/>
+              <a:t>data:</a:t>
+            </a:r>
+            <a:endParaRPr lang="en-US" sz="2000" dirty="0"/>
+          </a:p>
+          <a:p>
+            <a:r>
+              <a:rPr lang="en-US" sz="2000" dirty="0"/>
+              <a:t>For storing the data I originally planned on using </a:t>
+            </a:r>
+            <a:r>
+              <a:rPr lang="en-US" sz="2000" dirty="0" err="1"/>
+              <a:t>phpmyadmin</a:t>
+            </a:r>
+            <a:r>
+              <a:rPr lang="en-US" sz="2000" dirty="0"/>
+              <a:t> but it turns out we could not run our python scripts on the OSU servers so we are now hosting the data in AWS</a:t>
+            </a:r>
+          </a:p>
+          <a:p>
+            <a:r>
+              <a:rPr lang="en-US" sz="2000" dirty="0"/>
+              <a:t>This was actually a lot easier then </a:t>
+            </a:r>
+            <a:r>
+              <a:rPr lang="en-US" sz="2000" dirty="0" err="1"/>
+              <a:t>phpmyadmin</a:t>
+            </a:r>
+            <a:r>
+              <a:rPr lang="en-US" sz="2000" dirty="0"/>
+              <a:t> and has a lot more flexibility. The downside is that on the free version of AWS it takes awhile to run the python scripts because its running through so much data.</a:t>
             </a:r>
           </a:p>
           <a:p>
             <a:endParaRPr lang="en-US" dirty="0"/>
-          </a:p>
-          <a:p>
-            <a:r>
-              <a:rPr lang="en-US" dirty="0"/>
-              <a:t>For this I am still planning on using </a:t>
-            </a:r>
-            <a:r>
-              <a:rPr lang="en-US" dirty="0" err="1"/>
-              <a:t>phpmyadmin</a:t>
-            </a:r>
-            <a:r>
-              <a:rPr lang="en-US" dirty="0"/>
-              <a:t> to store the data and attach it to the website.</a:t>
-            </a:r>
-          </a:p>
-          <a:p>
-            <a:r>
-              <a:rPr lang="en-US" dirty="0"/>
-              <a:t>I have not started adding the data to the database yet, all the data is just in excel or CSV files as of now. But it wont tale long to add the data because its already in a compatible format for transfer.</a:t>
-            </a:r>
-          </a:p>
-          <a:p>
-            <a:r>
-              <a:rPr lang="en-US" dirty="0"/>
-              <a:t>The database is mainly for the website module so it will most likely be done before the beta release.</a:t>
-            </a:r>
           </a:p>
         </p:txBody>
       </p:sp>
@@ -6792,13 +6876,8 @@
           <a:p>
             <a:r>
               <a:rPr lang="en-US" dirty="0"/>
-              <a:t>Term </a:t>
-            </a:r>
-            <a:r>
-              <a:rPr lang="en-US" dirty="0" smtClean="0"/>
-              <a:t>overview</a:t>
-            </a:r>
-            <a:endParaRPr lang="en-US" dirty="0"/>
+              <a:t>Term overview</a:t>
+            </a:r>
           </a:p>
         </p:txBody>
       </p:sp>
@@ -6881,6 +6960,276 @@
     <p:extLst>
       <p:ext uri="{BB962C8B-B14F-4D97-AF65-F5344CB8AC3E}">
         <p14:creationId xmlns:p14="http://schemas.microsoft.com/office/powerpoint/2010/main" val="158346322"/>
+      </p:ext>
+    </p:extLst>
+  </p:cSld>
+  <p:clrMapOvr>
+    <a:masterClrMapping/>
+  </p:clrMapOvr>
+</p:sld>
+</file>
+
+<file path=ppt/slides/slide20.xml><?xml version="1.0" encoding="utf-8"?>
+<p:sld xmlns:a="http://schemas.openxmlformats.org/drawingml/2006/main" xmlns:r="http://schemas.openxmlformats.org/officeDocument/2006/relationships" xmlns:p="http://schemas.openxmlformats.org/presentationml/2006/main">
+  <p:cSld>
+    <p:spTree>
+      <p:nvGrpSpPr>
+        <p:cNvPr id="1" name=""/>
+        <p:cNvGrpSpPr/>
+        <p:nvPr/>
+      </p:nvGrpSpPr>
+      <p:grpSpPr>
+        <a:xfrm>
+          <a:off x="0" y="0"/>
+          <a:ext cx="0" cy="0"/>
+          <a:chOff x="0" y="0"/>
+          <a:chExt cx="0" cy="0"/>
+        </a:xfrm>
+      </p:grpSpPr>
+      <p:sp>
+        <p:nvSpPr>
+          <p:cNvPr id="2" name="Title 1"/>
+          <p:cNvSpPr>
+            <a:spLocks noGrp="1"/>
+          </p:cNvSpPr>
+          <p:nvPr>
+            <p:ph type="title"/>
+          </p:nvPr>
+        </p:nvSpPr>
+        <p:spPr/>
+        <p:txBody>
+          <a:bodyPr/>
+          <a:lstStyle/>
+          <a:p>
+            <a:r>
+              <a:rPr lang="en-US" dirty="0"/>
+              <a:t>Other work</a:t>
+            </a:r>
+          </a:p>
+        </p:txBody>
+      </p:sp>
+      <p:sp>
+        <p:nvSpPr>
+          <p:cNvPr id="3" name="Content Placeholder 2"/>
+          <p:cNvSpPr>
+            <a:spLocks noGrp="1"/>
+          </p:cNvSpPr>
+          <p:nvPr>
+            <p:ph idx="1"/>
+          </p:nvPr>
+        </p:nvSpPr>
+        <p:spPr/>
+        <p:txBody>
+          <a:bodyPr>
+            <a:normAutofit/>
+          </a:bodyPr>
+          <a:lstStyle/>
+          <a:p>
+            <a:r>
+              <a:rPr lang="en-US" sz="2400" dirty="0"/>
+              <a:t>I helped George write and come up with the machine learning script by giving him examples and helping him come up with strategies on what stats to weigh more heavily.</a:t>
+            </a:r>
+          </a:p>
+          <a:p>
+            <a:r>
+              <a:rPr lang="en-US" sz="2400" dirty="0"/>
+              <a:t>I found a handy python script that generated our bracket for us by feeding it the teams, seeds, and picture of the bracket. </a:t>
+            </a:r>
+          </a:p>
+        </p:txBody>
+      </p:sp>
+    </p:spTree>
+    <p:extLst>
+      <p:ext uri="{BB962C8B-B14F-4D97-AF65-F5344CB8AC3E}">
+        <p14:creationId xmlns:p14="http://schemas.microsoft.com/office/powerpoint/2010/main" val="1618737833"/>
+      </p:ext>
+    </p:extLst>
+  </p:cSld>
+  <p:clrMapOvr>
+    <a:masterClrMapping/>
+  </p:clrMapOvr>
+</p:sld>
+</file>
+
+<file path=ppt/slides/slide21.xml><?xml version="1.0" encoding="utf-8"?>
+<p:sld xmlns:a="http://schemas.openxmlformats.org/drawingml/2006/main" xmlns:r="http://schemas.openxmlformats.org/officeDocument/2006/relationships" xmlns:p="http://schemas.openxmlformats.org/presentationml/2006/main">
+  <p:cSld>
+    <p:spTree>
+      <p:nvGrpSpPr>
+        <p:cNvPr id="1" name=""/>
+        <p:cNvGrpSpPr/>
+        <p:nvPr/>
+      </p:nvGrpSpPr>
+      <p:grpSpPr>
+        <a:xfrm>
+          <a:off x="0" y="0"/>
+          <a:ext cx="0" cy="0"/>
+          <a:chOff x="0" y="0"/>
+          <a:chExt cx="0" cy="0"/>
+        </a:xfrm>
+      </p:grpSpPr>
+      <p:sp>
+        <p:nvSpPr>
+          <p:cNvPr id="2" name="Title 1"/>
+          <p:cNvSpPr>
+            <a:spLocks noGrp="1"/>
+          </p:cNvSpPr>
+          <p:nvPr>
+            <p:ph type="title"/>
+          </p:nvPr>
+        </p:nvSpPr>
+        <p:spPr/>
+        <p:txBody>
+          <a:bodyPr/>
+          <a:lstStyle/>
+          <a:p>
+            <a:r>
+              <a:rPr lang="en-US" dirty="0"/>
+              <a:t>Possible Improvements</a:t>
+            </a:r>
+          </a:p>
+        </p:txBody>
+      </p:sp>
+      <p:sp>
+        <p:nvSpPr>
+          <p:cNvPr id="3" name="Content Placeholder 2"/>
+          <p:cNvSpPr>
+            <a:spLocks noGrp="1"/>
+          </p:cNvSpPr>
+          <p:nvPr>
+            <p:ph idx="1"/>
+          </p:nvPr>
+        </p:nvSpPr>
+        <p:spPr/>
+        <p:txBody>
+          <a:bodyPr>
+            <a:normAutofit/>
+          </a:bodyPr>
+          <a:lstStyle/>
+          <a:p>
+            <a:r>
+              <a:rPr lang="en-US" sz="2000" dirty="0"/>
+              <a:t>I was planning on adding games stats as they are played to see if they would accurately predict the next round of games based on the last round and season data.</a:t>
+            </a:r>
+          </a:p>
+          <a:p>
+            <a:r>
+              <a:rPr lang="en-US" sz="2000" dirty="0"/>
+              <a:t>I also wanted to try and see what combination of weights on stats would have given me the correct outcome of the whole tournament. In other words what did I need to change for it to produce a perfect bracket.</a:t>
+            </a:r>
+          </a:p>
+          <a:p>
+            <a:r>
+              <a:rPr lang="en-US" sz="2000" dirty="0"/>
+              <a:t>I would also like to get the runtime of the scripts down to below a minute because as of now they take a little over two minutes to run and output the results.</a:t>
+            </a:r>
+          </a:p>
+        </p:txBody>
+      </p:sp>
+    </p:spTree>
+    <p:extLst>
+      <p:ext uri="{BB962C8B-B14F-4D97-AF65-F5344CB8AC3E}">
+        <p14:creationId xmlns:p14="http://schemas.microsoft.com/office/powerpoint/2010/main" val="3153851479"/>
+      </p:ext>
+    </p:extLst>
+  </p:cSld>
+  <p:clrMapOvr>
+    <a:masterClrMapping/>
+  </p:clrMapOvr>
+</p:sld>
+</file>
+
+<file path=ppt/slides/slide22.xml><?xml version="1.0" encoding="utf-8"?>
+<p:sld xmlns:a="http://schemas.openxmlformats.org/drawingml/2006/main" xmlns:r="http://schemas.openxmlformats.org/officeDocument/2006/relationships" xmlns:p="http://schemas.openxmlformats.org/presentationml/2006/main">
+  <p:cSld>
+    <p:spTree>
+      <p:nvGrpSpPr>
+        <p:cNvPr id="1" name=""/>
+        <p:cNvGrpSpPr/>
+        <p:nvPr/>
+      </p:nvGrpSpPr>
+      <p:grpSpPr>
+        <a:xfrm>
+          <a:off x="0" y="0"/>
+          <a:ext cx="0" cy="0"/>
+          <a:chOff x="0" y="0"/>
+          <a:chExt cx="0" cy="0"/>
+        </a:xfrm>
+      </p:grpSpPr>
+      <p:sp>
+        <p:nvSpPr>
+          <p:cNvPr id="2" name="Title 1"/>
+          <p:cNvSpPr>
+            <a:spLocks noGrp="1"/>
+          </p:cNvSpPr>
+          <p:nvPr>
+            <p:ph type="title"/>
+          </p:nvPr>
+        </p:nvSpPr>
+        <p:spPr/>
+        <p:txBody>
+          <a:bodyPr>
+            <a:normAutofit/>
+          </a:bodyPr>
+          <a:lstStyle/>
+          <a:p>
+            <a:r>
+              <a:rPr lang="en-US" dirty="0"/>
+              <a:t>What Jake needs to do to complete this project + course</a:t>
+            </a:r>
+          </a:p>
+        </p:txBody>
+      </p:sp>
+      <p:sp>
+        <p:nvSpPr>
+          <p:cNvPr id="3" name="Content Placeholder 2"/>
+          <p:cNvSpPr>
+            <a:spLocks noGrp="1"/>
+          </p:cNvSpPr>
+          <p:nvPr>
+            <p:ph idx="1"/>
+          </p:nvPr>
+        </p:nvSpPr>
+        <p:spPr/>
+        <p:txBody>
+          <a:bodyPr/>
+          <a:lstStyle/>
+          <a:p>
+            <a:r>
+              <a:rPr lang="en-US" dirty="0"/>
+              <a:t>All responsibilities done</a:t>
+            </a:r>
+          </a:p>
+          <a:p>
+            <a:r>
+              <a:rPr lang="en-US" dirty="0"/>
+              <a:t>Revise poster that Alex submitted</a:t>
+            </a:r>
+          </a:p>
+          <a:p>
+            <a:r>
+              <a:rPr lang="en-US" dirty="0"/>
+              <a:t>Polish code – scripts and stats</a:t>
+            </a:r>
+          </a:p>
+          <a:p>
+            <a:r>
+              <a:rPr lang="en-US" dirty="0"/>
+              <a:t>Present poster at Spring Expo</a:t>
+            </a:r>
+          </a:p>
+          <a:p>
+            <a:pPr marL="457200" lvl="1" indent="0">
+              <a:buNone/>
+            </a:pPr>
+            <a:endParaRPr lang="en-US" dirty="0"/>
+          </a:p>
+        </p:txBody>
+      </p:sp>
+    </p:spTree>
+    <p:extLst>
+      <p:ext uri="{BB962C8B-B14F-4D97-AF65-F5344CB8AC3E}">
+        <p14:creationId xmlns:p14="http://schemas.microsoft.com/office/powerpoint/2010/main" val="1431232732"/>
       </p:ext>
     </p:extLst>
   </p:cSld>
@@ -7552,43 +7901,15 @@
             <a:pPr marL="342900" lvl="1" indent="-342900"/>
             <a:r>
               <a:rPr lang="en-US" sz="1700" dirty="0"/>
-              <a:t>Write the content for each page. For Instructions, </a:t>
-            </a:r>
-            <a:r>
-              <a:rPr lang="en-US" sz="1700" dirty="0" smtClean="0"/>
-              <a:t>the details on how to operate the module. The </a:t>
+              <a:t>Write the content for each page. For Instructions, the details on how to operate the module. The Module subcomponent consists of a link to the Machine Learning module developed by </a:t>
+            </a:r>
+            <a:r>
+              <a:rPr lang="en-US" sz="1700" dirty="0" err="1"/>
+              <a:t>Chongxian</a:t>
             </a:r>
             <a:r>
               <a:rPr lang="en-US" sz="1700" dirty="0"/>
-              <a:t>Module subcomponent </a:t>
-            </a:r>
-            <a:r>
-              <a:rPr lang="en-US" sz="1700" dirty="0" smtClean="0"/>
-              <a:t>consists of a link to the </a:t>
-            </a:r>
-            <a:r>
-              <a:rPr lang="en-US" sz="1700" dirty="0" smtClean="0"/>
-              <a:t>Machine </a:t>
-            </a:r>
-            <a:r>
-              <a:rPr lang="en-US" sz="1700" dirty="0"/>
-              <a:t>Learning </a:t>
-            </a:r>
-            <a:r>
-              <a:rPr lang="en-US" sz="1700" dirty="0" smtClean="0"/>
-              <a:t>module developed by </a:t>
-            </a:r>
-            <a:r>
-              <a:rPr lang="en-US" sz="1700" dirty="0" err="1" smtClean="0"/>
-              <a:t>Chongxian</a:t>
-            </a:r>
-            <a:r>
-              <a:rPr lang="en-US" sz="1700" dirty="0" smtClean="0"/>
-              <a:t>. </a:t>
-            </a:r>
-            <a:r>
-              <a:rPr lang="en-US" sz="1700" dirty="0"/>
-              <a:t>The Purpose subcomponent includes a description of why the module was developed (i.e. Dr. Victor Hsu’s intentions in commissioning us to work on this project) and contains a button that leads to the “About the Developers” subcomponent. The “About the Developers” subcomponent includes our names, our class information, and a button with a picture of mail to indicate e-mail that links the user to my email in case they wish to contact us about the project.</a:t>
+              <a:t>. The Purpose subcomponent includes a description of why the module was developed (i.e. Dr. Victor Hsu’s intentions in commissioning us to work on this project) and contains a button that leads to the “About the Developers” subcomponent. The “About the Developers” subcomponent includes our names, our class information, and a button with a picture of mail to indicate e-mail that links the user to my email in case they wish to contact us about the project.</a:t>
             </a:r>
           </a:p>
           <a:p>
